--- a/posters/Romanskiy_FizikA_2017.pptx
+++ b/posters/Romanskiy_FizikA_2017.pptx
@@ -288,7 +288,7 @@
           <a:p>
             <a:fld id="{F515D3A2-22C3-4007-B598-9B555F861680}" type="datetimeFigureOut">
               <a:rPr lang="ru-RU" smtClean="0"/>
-              <a:t>22.10.2017</a:t>
+              <a:t>23.10.2017</a:t>
             </a:fld>
             <a:endParaRPr lang="ru-RU"/>
           </a:p>
@@ -458,7 +458,7 @@
           <a:p>
             <a:fld id="{F515D3A2-22C3-4007-B598-9B555F861680}" type="datetimeFigureOut">
               <a:rPr lang="ru-RU" smtClean="0"/>
-              <a:t>22.10.2017</a:t>
+              <a:t>23.10.2017</a:t>
             </a:fld>
             <a:endParaRPr lang="ru-RU"/>
           </a:p>
@@ -638,7 +638,7 @@
           <a:p>
             <a:fld id="{F515D3A2-22C3-4007-B598-9B555F861680}" type="datetimeFigureOut">
               <a:rPr lang="ru-RU" smtClean="0"/>
-              <a:t>22.10.2017</a:t>
+              <a:t>23.10.2017</a:t>
             </a:fld>
             <a:endParaRPr lang="ru-RU"/>
           </a:p>
@@ -808,7 +808,7 @@
           <a:p>
             <a:fld id="{F515D3A2-22C3-4007-B598-9B555F861680}" type="datetimeFigureOut">
               <a:rPr lang="ru-RU" smtClean="0"/>
-              <a:t>22.10.2017</a:t>
+              <a:t>23.10.2017</a:t>
             </a:fld>
             <a:endParaRPr lang="ru-RU"/>
           </a:p>
@@ -1054,7 +1054,7 @@
           <a:p>
             <a:fld id="{F515D3A2-22C3-4007-B598-9B555F861680}" type="datetimeFigureOut">
               <a:rPr lang="ru-RU" smtClean="0"/>
-              <a:t>22.10.2017</a:t>
+              <a:t>23.10.2017</a:t>
             </a:fld>
             <a:endParaRPr lang="ru-RU"/>
           </a:p>
@@ -1342,7 +1342,7 @@
           <a:p>
             <a:fld id="{F515D3A2-22C3-4007-B598-9B555F861680}" type="datetimeFigureOut">
               <a:rPr lang="ru-RU" smtClean="0"/>
-              <a:t>22.10.2017</a:t>
+              <a:t>23.10.2017</a:t>
             </a:fld>
             <a:endParaRPr lang="ru-RU"/>
           </a:p>
@@ -1764,7 +1764,7 @@
           <a:p>
             <a:fld id="{F515D3A2-22C3-4007-B598-9B555F861680}" type="datetimeFigureOut">
               <a:rPr lang="ru-RU" smtClean="0"/>
-              <a:t>22.10.2017</a:t>
+              <a:t>23.10.2017</a:t>
             </a:fld>
             <a:endParaRPr lang="ru-RU"/>
           </a:p>
@@ -1882,7 +1882,7 @@
           <a:p>
             <a:fld id="{F515D3A2-22C3-4007-B598-9B555F861680}" type="datetimeFigureOut">
               <a:rPr lang="ru-RU" smtClean="0"/>
-              <a:t>22.10.2017</a:t>
+              <a:t>23.10.2017</a:t>
             </a:fld>
             <a:endParaRPr lang="ru-RU"/>
           </a:p>
@@ -1977,7 +1977,7 @@
           <a:p>
             <a:fld id="{F515D3A2-22C3-4007-B598-9B555F861680}" type="datetimeFigureOut">
               <a:rPr lang="ru-RU" smtClean="0"/>
-              <a:t>22.10.2017</a:t>
+              <a:t>23.10.2017</a:t>
             </a:fld>
             <a:endParaRPr lang="ru-RU"/>
           </a:p>
@@ -2254,7 +2254,7 @@
           <a:p>
             <a:fld id="{F515D3A2-22C3-4007-B598-9B555F861680}" type="datetimeFigureOut">
               <a:rPr lang="ru-RU" smtClean="0"/>
-              <a:t>22.10.2017</a:t>
+              <a:t>23.10.2017</a:t>
             </a:fld>
             <a:endParaRPr lang="ru-RU"/>
           </a:p>
@@ -2507,7 +2507,7 @@
           <a:p>
             <a:fld id="{F515D3A2-22C3-4007-B598-9B555F861680}" type="datetimeFigureOut">
               <a:rPr lang="ru-RU" smtClean="0"/>
-              <a:t>22.10.2017</a:t>
+              <a:t>23.10.2017</a:t>
             </a:fld>
             <a:endParaRPr lang="ru-RU"/>
           </a:p>
@@ -2720,7 +2720,7 @@
           <a:p>
             <a:fld id="{F515D3A2-22C3-4007-B598-9B555F861680}" type="datetimeFigureOut">
               <a:rPr lang="ru-RU" smtClean="0"/>
-              <a:t>22.10.2017</a:t>
+              <a:t>23.10.2017</a:t>
             </a:fld>
             <a:endParaRPr lang="ru-RU"/>
           </a:p>
@@ -3738,7 +3738,7 @@
         </p:nvSpPr>
         <p:spPr bwMode="auto">
           <a:xfrm>
-            <a:off x="-609302" y="3311149"/>
+            <a:off x="-609302" y="3186659"/>
             <a:ext cx="22591836" cy="1140954"/>
           </a:xfrm>
           <a:prstGeom prst="rect">
@@ -6767,8 +6767,8 @@
           </a:extLst>
         </p:spPr>
       </p:pic>
-      <mc:AlternateContent xmlns:mc="http://schemas.openxmlformats.org/markup-compatibility/2006" xmlns:a14="http://schemas.microsoft.com/office/drawing/2010/main">
-        <mc:Choice Requires="a14">
+      <mc:AlternateContent xmlns:mc="http://schemas.openxmlformats.org/markup-compatibility/2006">
+        <mc:Choice xmlns:a14="http://schemas.microsoft.com/office/drawing/2010/main" Requires="a14">
           <p:sp>
             <p:nvSpPr>
               <p:cNvPr id="18" name="TextBox 17"/>
@@ -7166,7 +7166,77 @@
                     <a:latin typeface="Times New Roman" pitchFamily="16" charset="0"/>
                     <a:cs typeface="DejaVu Sans" charset="0"/>
                   </a:rPr>
-                  <a:t> et al.[2], Noguchi et al.[3]. </a:t>
+                  <a:t> et al</a:t>
+                </a:r>
+                <a:r>
+                  <a:rPr lang="en-US" altLang="ru-RU" sz="2400" dirty="0" smtClean="0">
+                    <a:solidFill>
+                      <a:srgbClr val="000000"/>
+                    </a:solidFill>
+                    <a:latin typeface="Times New Roman" pitchFamily="16" charset="0"/>
+                    <a:cs typeface="DejaVu Sans" charset="0"/>
+                  </a:rPr>
+                  <a:t>.[</a:t>
+                </a:r>
+                <a:r>
+                  <a:rPr lang="ru-RU" altLang="ru-RU" sz="2400" dirty="0" smtClean="0">
+                    <a:solidFill>
+                      <a:srgbClr val="000000"/>
+                    </a:solidFill>
+                    <a:latin typeface="Times New Roman" pitchFamily="16" charset="0"/>
+                    <a:cs typeface="DejaVu Sans" charset="0"/>
+                  </a:rPr>
+                  <a:t>1</a:t>
+                </a:r>
+                <a:r>
+                  <a:rPr lang="en-US" altLang="ru-RU" sz="2400" dirty="0" smtClean="0">
+                    <a:solidFill>
+                      <a:srgbClr val="000000"/>
+                    </a:solidFill>
+                    <a:latin typeface="Times New Roman" pitchFamily="16" charset="0"/>
+                    <a:cs typeface="DejaVu Sans" charset="0"/>
+                  </a:rPr>
+                  <a:t>], </a:t>
+                </a:r>
+                <a:r>
+                  <a:rPr lang="en-US" altLang="ru-RU" sz="2400" dirty="0">
+                    <a:solidFill>
+                      <a:srgbClr val="000000"/>
+                    </a:solidFill>
+                    <a:latin typeface="Times New Roman" pitchFamily="16" charset="0"/>
+                    <a:cs typeface="DejaVu Sans" charset="0"/>
+                  </a:rPr>
+                  <a:t>Noguchi et al</a:t>
+                </a:r>
+                <a:r>
+                  <a:rPr lang="en-US" altLang="ru-RU" sz="2400" dirty="0" smtClean="0">
+                    <a:solidFill>
+                      <a:srgbClr val="000000"/>
+                    </a:solidFill>
+                    <a:latin typeface="Times New Roman" pitchFamily="16" charset="0"/>
+                    <a:cs typeface="DejaVu Sans" charset="0"/>
+                  </a:rPr>
+                  <a:t>.[</a:t>
+                </a:r>
+                <a:r>
+                  <a:rPr lang="ru-RU" altLang="ru-RU" sz="2400" dirty="0" smtClean="0">
+                    <a:solidFill>
+                      <a:srgbClr val="000000"/>
+                    </a:solidFill>
+                    <a:latin typeface="Times New Roman" pitchFamily="16" charset="0"/>
+                    <a:cs typeface="DejaVu Sans" charset="0"/>
+                  </a:rPr>
+                  <a:t>2</a:t>
+                </a:r>
+                <a:r>
+                  <a:rPr lang="en-US" altLang="ru-RU" sz="2400" dirty="0" smtClean="0">
+                    <a:solidFill>
+                      <a:srgbClr val="000000"/>
+                    </a:solidFill>
+                    <a:latin typeface="Times New Roman" pitchFamily="16" charset="0"/>
+                    <a:cs typeface="DejaVu Sans" charset="0"/>
+                  </a:rPr>
+                  <a:t>]. </a:t>
                 </a:r>
                 <a:r>
                   <a:rPr lang="ru-RU" altLang="ru-RU" sz="2400" dirty="0">
@@ -7629,7 +7699,7 @@
             </p:txBody>
           </p:sp>
         </mc:Choice>
-        <mc:Fallback xmlns="">
+        <mc:Fallback>
           <p:sp>
             <p:nvSpPr>
               <p:cNvPr id="18" name="TextBox 17"/>
@@ -11522,8 +11592,8 @@
         </p:blipFill>
         <p:spPr>
           <a:xfrm>
-            <a:off x="13980948" y="6731356"/>
-            <a:ext cx="7113206" cy="5216351"/>
+            <a:off x="14146374" y="6760427"/>
+            <a:ext cx="6696750" cy="4910950"/>
           </a:xfrm>
           <a:prstGeom prst="rect">
             <a:avLst/>
@@ -11538,7 +11608,7 @@
         </p:nvSpPr>
         <p:spPr>
           <a:xfrm>
-            <a:off x="14293800" y="13130302"/>
+            <a:off x="14162971" y="12120955"/>
             <a:ext cx="6800354" cy="1569660"/>
           </a:xfrm>
           <a:prstGeom prst="rect">
@@ -11594,8 +11664,8 @@
             </p:nvSpPr>
             <p:spPr>
               <a:xfrm>
-                <a:off x="14615384" y="12059122"/>
-                <a:ext cx="6478770" cy="1015663"/>
+                <a:off x="14476933" y="11566494"/>
+                <a:ext cx="6478770" cy="707886"/>
               </a:xfrm>
               <a:prstGeom prst="rect">
                 <a:avLst/>
@@ -11623,18 +11693,18 @@
                   <a:t>Перпендикулярная </a:t>
                 </a:r>
                 <a:r>
-                  <a:rPr lang="ru-RU" sz="2000" i="1" dirty="0" err="1" smtClean="0">
+                  <a:rPr lang="ru-RU" sz="2000" i="1" dirty="0" smtClean="0">
                     <a:latin typeface="Times New Roman" panose="02020603050405020304" pitchFamily="18" charset="0"/>
                     <a:cs typeface="Times New Roman" panose="02020603050405020304" pitchFamily="18" charset="0"/>
                   </a:rPr>
-                  <a:t>компонетна</a:t>
+                  <a:t>компонента </a:t>
                 </a:r>
                 <a:r>
                   <a:rPr lang="ru-RU" sz="2000" i="1" dirty="0" smtClean="0">
                     <a:latin typeface="Times New Roman" panose="02020603050405020304" pitchFamily="18" charset="0"/>
                     <a:cs typeface="Times New Roman" panose="02020603050405020304" pitchFamily="18" charset="0"/>
                   </a:rPr>
-                  <a:t> магнитного поля в ударной волне  с углом наклона</a:t>
+                  <a:t>магнитного поля в ударной волне  с углом наклона</a:t>
                 </a:r>
                 <a:r>
                   <a:rPr lang="en-US" sz="2000" i="1" dirty="0" smtClean="0">
@@ -11702,41 +11772,6 @@
                     </m:sSup>
                   </m:oMath>
                 </a14:m>
-                <a:r>
-                  <a:rPr lang="ru-RU" sz="2000" i="1" dirty="0" smtClean="0">
-                    <a:latin typeface="Times New Roman" panose="02020603050405020304" pitchFamily="18" charset="0"/>
-                    <a:cs typeface="Times New Roman" panose="02020603050405020304" pitchFamily="18" charset="0"/>
-                  </a:rPr>
-                  <a:t>в момент времени</a:t>
-                </a:r>
-                <a:r>
-                  <a:rPr lang="en-US" sz="2000" i="1" dirty="0" smtClean="0">
-                    <a:latin typeface="Times New Roman" panose="02020603050405020304" pitchFamily="18" charset="0"/>
-                    <a:cs typeface="Times New Roman" panose="02020603050405020304" pitchFamily="18" charset="0"/>
-                  </a:rPr>
-                  <a:t> t=5</a:t>
-                </a:r>
-                <a:r>
-                  <a:rPr lang="ru-RU" sz="2000" i="1" dirty="0" smtClean="0">
-                    <a:latin typeface="Times New Roman" panose="02020603050405020304" pitchFamily="18" charset="0"/>
-                    <a:cs typeface="Times New Roman" panose="02020603050405020304" pitchFamily="18" charset="0"/>
-                  </a:rPr>
-                  <a:t>0</a:t>
-                </a:r>
-                <a:r>
-                  <a:rPr lang="en-US" sz="2000" i="1" dirty="0" smtClean="0">
-                    <a:latin typeface="Times New Roman" panose="02020603050405020304" pitchFamily="18" charset="0"/>
-                    <a:cs typeface="Times New Roman" panose="02020603050405020304" pitchFamily="18" charset="0"/>
-                  </a:rPr>
-                  <a:t>c</a:t>
-                </a:r>
-                <a:r>
-                  <a:rPr lang="ru-RU" sz="2000" i="1" dirty="0" smtClean="0">
-                    <a:latin typeface="Times New Roman" panose="02020603050405020304" pitchFamily="18" charset="0"/>
-                    <a:cs typeface="Times New Roman" panose="02020603050405020304" pitchFamily="18" charset="0"/>
-                  </a:rPr>
-                  <a:t> </a:t>
-                </a:r>
                 <a:endParaRPr lang="ru-RU" sz="2000" i="1" dirty="0">
                   <a:latin typeface="Times New Roman" panose="02020603050405020304" pitchFamily="18" charset="0"/>
                   <a:cs typeface="Times New Roman" panose="02020603050405020304" pitchFamily="18" charset="0"/>
@@ -11756,8 +11791,8 @@
             </p:nvSpPr>
             <p:spPr>
               <a:xfrm>
-                <a:off x="14615384" y="12059122"/>
-                <a:ext cx="6478770" cy="1015663"/>
+                <a:off x="14476933" y="11566494"/>
+                <a:ext cx="6478770" cy="707886"/>
               </a:xfrm>
               <a:prstGeom prst="rect">
                 <a:avLst/>
@@ -11765,7 +11800,7 @@
               <a:blipFill rotWithShape="1">
                 <a:blip r:embed="rId19"/>
                 <a:stretch>
-                  <a:fillRect l="-1036" t="-2994" r="-188" b="-9581"/>
+                  <a:fillRect l="-1035" t="-4274" r="-188" b="-13675"/>
                 </a:stretch>
               </a:blipFill>
             </p:spPr>
@@ -11784,36 +11819,6 @@
           </p:sp>
         </mc:Fallback>
       </mc:AlternateContent>
-      <p:pic>
-        <p:nvPicPr>
-          <p:cNvPr id="40" name="Рисунок 39"/>
-          <p:cNvPicPr>
-            <a:picLocks noChangeAspect="1"/>
-          </p:cNvPicPr>
-          <p:nvPr/>
-        </p:nvPicPr>
-        <p:blipFill>
-          <a:blip r:embed="rId20" cstate="print">
-            <a:extLst>
-              <a:ext uri="{28A0092B-C50C-407E-A947-70E740481C1C}">
-                <a14:useLocalDpi xmlns:a14="http://schemas.microsoft.com/office/drawing/2010/main" val="0"/>
-              </a:ext>
-            </a:extLst>
-          </a:blip>
-          <a:stretch>
-            <a:fillRect/>
-          </a:stretch>
-        </p:blipFill>
-        <p:spPr>
-          <a:xfrm>
-            <a:off x="14542675" y="14716421"/>
-            <a:ext cx="6829010" cy="4784602"/>
-          </a:xfrm>
-          <a:prstGeom prst="rect">
-            <a:avLst/>
-          </a:prstGeom>
-        </p:spPr>
-      </p:pic>
       <p:sp>
         <p:nvSpPr>
           <p:cNvPr id="41" name="TextBox 40"/>
@@ -11822,7 +11827,7 @@
         </p:nvSpPr>
         <p:spPr>
           <a:xfrm>
-            <a:off x="14767784" y="19433890"/>
+            <a:off x="14687508" y="17901838"/>
             <a:ext cx="6478770" cy="707886"/>
           </a:xfrm>
           <a:prstGeom prst="rect">
@@ -11899,9 +11904,1106 @@
           </a:p>
         </p:txBody>
       </p:sp>
+      <p:sp>
+        <p:nvSpPr>
+          <p:cNvPr id="43" name="TextBox 42"/>
+          <p:cNvSpPr txBox="1"/>
+          <p:nvPr/>
+        </p:nvSpPr>
+        <p:spPr>
+          <a:xfrm>
+            <a:off x="14668541" y="22801661"/>
+            <a:ext cx="6478770" cy="707886"/>
+          </a:xfrm>
+          <a:prstGeom prst="rect">
+            <a:avLst/>
+          </a:prstGeom>
+          <a:noFill/>
+        </p:spPr>
+        <p:txBody>
+          <a:bodyPr wrap="square" rtlCol="0">
+            <a:spAutoFit/>
+          </a:bodyPr>
+          <a:lstStyle/>
+          <a:p>
+            <a:r>
+              <a:rPr lang="ru-RU" sz="2000" b="1" i="1" dirty="0" smtClean="0">
+                <a:latin typeface="Times New Roman" panose="02020603050405020304" pitchFamily="18" charset="0"/>
+                <a:cs typeface="Times New Roman" panose="02020603050405020304" pitchFamily="18" charset="0"/>
+              </a:rPr>
+              <a:t>Рис. </a:t>
+            </a:r>
+            <a:r>
+              <a:rPr lang="en-US" sz="2000" b="1" i="1" dirty="0" smtClean="0">
+                <a:latin typeface="Times New Roman" panose="02020603050405020304" pitchFamily="18" charset="0"/>
+                <a:cs typeface="Times New Roman" panose="02020603050405020304" pitchFamily="18" charset="0"/>
+              </a:rPr>
+              <a:t>2</a:t>
+            </a:r>
+            <a:r>
+              <a:rPr lang="ru-RU" sz="2000" b="1" i="1" dirty="0" smtClean="0">
+                <a:latin typeface="Times New Roman" panose="02020603050405020304" pitchFamily="18" charset="0"/>
+                <a:cs typeface="Times New Roman" panose="02020603050405020304" pitchFamily="18" charset="0"/>
+              </a:rPr>
+              <a:t> </a:t>
+            </a:r>
+            <a:r>
+              <a:rPr lang="ru-RU" sz="2000" i="1" dirty="0" smtClean="0">
+                <a:latin typeface="Times New Roman" panose="02020603050405020304" pitchFamily="18" charset="0"/>
+                <a:cs typeface="Times New Roman" panose="02020603050405020304" pitchFamily="18" charset="0"/>
+              </a:rPr>
+              <a:t>Спектр электронов в момент времени</a:t>
+            </a:r>
+            <a:r>
+              <a:rPr lang="en-US" sz="2000" i="1" dirty="0" smtClean="0">
+                <a:latin typeface="Times New Roman" panose="02020603050405020304" pitchFamily="18" charset="0"/>
+                <a:cs typeface="Times New Roman" panose="02020603050405020304" pitchFamily="18" charset="0"/>
+              </a:rPr>
+              <a:t> t=5</a:t>
+            </a:r>
+            <a:r>
+              <a:rPr lang="ru-RU" sz="2000" i="1" dirty="0" smtClean="0">
+                <a:latin typeface="Times New Roman" panose="02020603050405020304" pitchFamily="18" charset="0"/>
+                <a:cs typeface="Times New Roman" panose="02020603050405020304" pitchFamily="18" charset="0"/>
+              </a:rPr>
+              <a:t>0</a:t>
+            </a:r>
+            <a:r>
+              <a:rPr lang="en-US" sz="2000" i="1" dirty="0" smtClean="0">
+                <a:latin typeface="Times New Roman" panose="02020603050405020304" pitchFamily="18" charset="0"/>
+                <a:cs typeface="Times New Roman" panose="02020603050405020304" pitchFamily="18" charset="0"/>
+              </a:rPr>
+              <a:t>c</a:t>
+            </a:r>
+            <a:r>
+              <a:rPr lang="ru-RU" sz="2000" i="1" dirty="0" smtClean="0">
+                <a:latin typeface="Times New Roman" panose="02020603050405020304" pitchFamily="18" charset="0"/>
+                <a:cs typeface="Times New Roman" panose="02020603050405020304" pitchFamily="18" charset="0"/>
+              </a:rPr>
+              <a:t> при разных углах наклона магнитного поля </a:t>
+            </a:r>
+            <a:endParaRPr lang="ru-RU" sz="2000" i="1" dirty="0">
+              <a:latin typeface="Times New Roman" panose="02020603050405020304" pitchFamily="18" charset="0"/>
+              <a:cs typeface="Times New Roman" panose="02020603050405020304" pitchFamily="18" charset="0"/>
+            </a:endParaRPr>
+          </a:p>
+        </p:txBody>
+      </p:sp>
+      <mc:AlternateContent xmlns:mc="http://schemas.openxmlformats.org/markup-compatibility/2006">
+        <mc:Choice xmlns:a14="http://schemas.microsoft.com/office/drawing/2010/main" Requires="a14">
+          <p:sp>
+            <p:nvSpPr>
+              <p:cNvPr id="44" name="TextBox 43"/>
+              <p:cNvSpPr txBox="1"/>
+              <p:nvPr/>
+            </p:nvSpPr>
+            <p:spPr>
+              <a:xfrm>
+                <a:off x="14388398" y="23436199"/>
+                <a:ext cx="6551479" cy="3416320"/>
+              </a:xfrm>
+              <a:prstGeom prst="rect">
+                <a:avLst/>
+              </a:prstGeom>
+              <a:noFill/>
+            </p:spPr>
+            <p:txBody>
+              <a:bodyPr wrap="square" rtlCol="0">
+                <a:spAutoFit/>
+              </a:bodyPr>
+              <a:lstStyle/>
+              <a:p>
+                <a:r>
+                  <a:rPr lang="ru-RU" sz="2400" dirty="0" smtClean="0">
+                    <a:latin typeface="Times New Roman" panose="02020603050405020304" pitchFamily="18" charset="0"/>
+                    <a:cs typeface="Times New Roman" panose="02020603050405020304" pitchFamily="18" charset="0"/>
+                  </a:rPr>
+                  <a:t>  Видно, что в области высоких энергий спектр электронов на порядок ниже спектра протонов. </a:t>
+                </a:r>
+                <a:r>
+                  <a:rPr lang="ru-RU" sz="2400" dirty="0" smtClean="0">
+                    <a:latin typeface="Times New Roman" panose="02020603050405020304" pitchFamily="18" charset="0"/>
+                    <a:cs typeface="Times New Roman" panose="02020603050405020304" pitchFamily="18" charset="0"/>
+                  </a:rPr>
+                  <a:t>Так же ярко выражена зависимость от угла. При углах меньших критического, определяемого равенством </a:t>
+                </a:r>
+                <a14:m>
+                  <m:oMath xmlns:m="http://schemas.openxmlformats.org/officeDocument/2006/math">
+                    <m:r>
+                      <m:rPr>
+                        <m:sty m:val="p"/>
+                      </m:rPr>
+                      <a:rPr lang="en-US" sz="2400" b="0" i="0" smtClean="0">
+                        <a:latin typeface="Cambria Math"/>
+                        <a:cs typeface="Times New Roman" panose="02020603050405020304" pitchFamily="18" charset="0"/>
+                      </a:rPr>
+                      <m:t>c</m:t>
+                    </m:r>
+                    <m:r>
+                      <a:rPr lang="en-US" sz="2400" b="0" i="1" smtClean="0">
+                        <a:latin typeface="Cambria Math"/>
+                        <a:ea typeface="Cambria Math"/>
+                        <a:cs typeface="Times New Roman" panose="02020603050405020304" pitchFamily="18" charset="0"/>
+                      </a:rPr>
+                      <m:t>∙</m:t>
+                    </m:r>
+                    <m:func>
+                      <m:funcPr>
+                        <m:ctrlPr>
+                          <a:rPr lang="en-US" sz="2400" b="0" i="1" smtClean="0">
+                            <a:latin typeface="Cambria Math"/>
+                            <a:cs typeface="Times New Roman" panose="02020603050405020304" pitchFamily="18" charset="0"/>
+                          </a:rPr>
+                        </m:ctrlPr>
+                      </m:funcPr>
+                      <m:fName>
+                        <m:r>
+                          <m:rPr>
+                            <m:sty m:val="p"/>
+                          </m:rPr>
+                          <a:rPr lang="en-US" sz="2400" b="0" i="0" smtClean="0">
+                            <a:latin typeface="Cambria Math"/>
+                            <a:cs typeface="Times New Roman" panose="02020603050405020304" pitchFamily="18" charset="0"/>
+                          </a:rPr>
+                          <m:t>cos</m:t>
+                        </m:r>
+                      </m:fName>
+                      <m:e>
+                        <m:d>
+                          <m:dPr>
+                            <m:ctrlPr>
+                              <a:rPr lang="en-US" sz="2400" b="0" i="1" smtClean="0">
+                                <a:latin typeface="Cambria Math"/>
+                                <a:cs typeface="Times New Roman" panose="02020603050405020304" pitchFamily="18" charset="0"/>
+                              </a:rPr>
+                            </m:ctrlPr>
+                          </m:dPr>
+                          <m:e>
+                            <m:sSub>
+                              <m:sSubPr>
+                                <m:ctrlPr>
+                                  <a:rPr lang="en-US" sz="2400" b="0" i="1" smtClean="0">
+                                    <a:latin typeface="Cambria Math"/>
+                                    <a:cs typeface="Times New Roman" panose="02020603050405020304" pitchFamily="18" charset="0"/>
+                                  </a:rPr>
+                                </m:ctrlPr>
+                              </m:sSubPr>
+                              <m:e>
+                                <m:r>
+                                  <a:rPr lang="en-US" sz="2400" b="0" i="1" smtClean="0">
+                                    <a:latin typeface="Cambria Math"/>
+                                    <a:ea typeface="Cambria Math"/>
+                                    <a:cs typeface="Times New Roman" panose="02020603050405020304" pitchFamily="18" charset="0"/>
+                                  </a:rPr>
+                                  <m:t>𝜗</m:t>
+                                </m:r>
+                              </m:e>
+                              <m:sub>
+                                <m:r>
+                                  <a:rPr lang="en-US" sz="2400" b="0" i="1" smtClean="0">
+                                    <a:latin typeface="Cambria Math"/>
+                                    <a:cs typeface="Times New Roman" panose="02020603050405020304" pitchFamily="18" charset="0"/>
+                                  </a:rPr>
+                                  <m:t>𝑐𝑟𝑖𝑡</m:t>
+                                </m:r>
+                              </m:sub>
+                            </m:sSub>
+                          </m:e>
+                        </m:d>
+                      </m:e>
+                    </m:func>
+                    <m:r>
+                      <a:rPr lang="en-US" sz="2400" b="0" i="1" smtClean="0">
+                        <a:latin typeface="Cambria Math"/>
+                        <a:cs typeface="Times New Roman" panose="02020603050405020304" pitchFamily="18" charset="0"/>
+                      </a:rPr>
+                      <m:t>=</m:t>
+                    </m:r>
+                    <m:sSub>
+                      <m:sSubPr>
+                        <m:ctrlPr>
+                          <a:rPr lang="en-US" sz="2400" b="0" i="1" smtClean="0">
+                            <a:latin typeface="Cambria Math"/>
+                            <a:cs typeface="Times New Roman" panose="02020603050405020304" pitchFamily="18" charset="0"/>
+                          </a:rPr>
+                        </m:ctrlPr>
+                      </m:sSubPr>
+                      <m:e>
+                        <m:r>
+                          <a:rPr lang="en-US" sz="2400" b="0" i="1" smtClean="0">
+                            <a:latin typeface="Cambria Math"/>
+                            <a:cs typeface="Times New Roman" panose="02020603050405020304" pitchFamily="18" charset="0"/>
+                          </a:rPr>
+                          <m:t>𝑣</m:t>
+                        </m:r>
+                      </m:e>
+                      <m:sub>
+                        <m:r>
+                          <a:rPr lang="en-US" sz="2400" b="0" i="1" smtClean="0">
+                            <a:latin typeface="Cambria Math"/>
+                            <a:cs typeface="Times New Roman" panose="02020603050405020304" pitchFamily="18" charset="0"/>
+                          </a:rPr>
+                          <m:t>𝑠h</m:t>
+                        </m:r>
+                      </m:sub>
+                    </m:sSub>
+                  </m:oMath>
+                </a14:m>
+                <a:r>
+                  <a:rPr lang="en-US" sz="2400" dirty="0" smtClean="0">
+                    <a:latin typeface="Times New Roman" panose="02020603050405020304" pitchFamily="18" charset="0"/>
+                    <a:cs typeface="Times New Roman" panose="02020603050405020304" pitchFamily="18" charset="0"/>
+                  </a:rPr>
+                  <a:t> </a:t>
+                </a:r>
+                <a:r>
+                  <a:rPr lang="ru-RU" sz="2400" dirty="0" smtClean="0">
+                    <a:latin typeface="Times New Roman" panose="02020603050405020304" pitchFamily="18" charset="0"/>
+                    <a:cs typeface="Times New Roman" panose="02020603050405020304" pitchFamily="18" charset="0"/>
+                  </a:rPr>
+                  <a:t>в системе покоя набегающего потока ускорение прекращается, что находится в согласии с аналогичными работами для ультрарелятивистских волн (</a:t>
+                </a:r>
+                <a:r>
+                  <a:rPr lang="en-US" sz="2400" dirty="0" err="1" smtClean="0">
+                    <a:latin typeface="Times New Roman" panose="02020603050405020304" pitchFamily="18" charset="0"/>
+                    <a:cs typeface="Times New Roman" panose="02020603050405020304" pitchFamily="18" charset="0"/>
+                  </a:rPr>
+                  <a:t>Sironi</a:t>
+                </a:r>
+                <a:r>
+                  <a:rPr lang="en-US" sz="2400" dirty="0" smtClean="0">
+                    <a:latin typeface="Times New Roman" panose="02020603050405020304" pitchFamily="18" charset="0"/>
+                    <a:cs typeface="Times New Roman" panose="02020603050405020304" pitchFamily="18" charset="0"/>
+                  </a:rPr>
+                  <a:t> et. Al [3])</a:t>
+                </a:r>
+                <a:endParaRPr lang="ru-RU" sz="2400" dirty="0">
+                  <a:latin typeface="Times New Roman" panose="02020603050405020304" pitchFamily="18" charset="0"/>
+                  <a:cs typeface="Times New Roman" panose="02020603050405020304" pitchFamily="18" charset="0"/>
+                </a:endParaRPr>
+              </a:p>
+            </p:txBody>
+          </p:sp>
+        </mc:Choice>
+        <mc:Fallback>
+          <p:sp>
+            <p:nvSpPr>
+              <p:cNvPr id="44" name="TextBox 43"/>
+              <p:cNvSpPr txBox="1">
+                <a:spLocks noRot="1" noChangeAspect="1" noMove="1" noResize="1" noEditPoints="1" noAdjustHandles="1" noChangeArrowheads="1" noChangeShapeType="1" noTextEdit="1"/>
+              </p:cNvSpPr>
+              <p:nvPr/>
+            </p:nvSpPr>
+            <p:spPr>
+              <a:xfrm>
+                <a:off x="14388398" y="23436199"/>
+                <a:ext cx="6551479" cy="3416320"/>
+              </a:xfrm>
+              <a:prstGeom prst="rect">
+                <a:avLst/>
+              </a:prstGeom>
+              <a:blipFill rotWithShape="1">
+                <a:blip r:embed="rId20"/>
+                <a:stretch>
+                  <a:fillRect l="-1395" t="-1429" r="-930" b="-3214"/>
+                </a:stretch>
+              </a:blipFill>
+            </p:spPr>
+            <p:txBody>
+              <a:bodyPr/>
+              <a:lstStyle/>
+              <a:p>
+                <a:r>
+                  <a:rPr lang="ru-RU">
+                    <a:noFill/>
+                  </a:rPr>
+                  <a:t> </a:t>
+                </a:r>
+              </a:p>
+            </p:txBody>
+          </p:sp>
+        </mc:Fallback>
+      </mc:AlternateContent>
+      <p:sp>
+        <p:nvSpPr>
+          <p:cNvPr id="45" name="Text Box 19"/>
+          <p:cNvSpPr txBox="1">
+            <a:spLocks noChangeArrowheads="1"/>
+          </p:cNvSpPr>
+          <p:nvPr/>
+        </p:nvSpPr>
+        <p:spPr bwMode="auto">
+          <a:xfrm>
+            <a:off x="14417689" y="26844484"/>
+            <a:ext cx="6494769" cy="3141502"/>
+          </a:xfrm>
+          <a:prstGeom prst="rect">
+            <a:avLst/>
+          </a:prstGeom>
+          <a:noFill/>
+          <a:ln>
+            <a:noFill/>
+          </a:ln>
+          <a:effectLst/>
+          <a:extLst>
+            <a:ext uri="{909E8E84-426E-40DD-AFC4-6F175D3DCCD1}">
+              <a14:hiddenFill xmlns:a14="http://schemas.microsoft.com/office/drawing/2010/main">
+                <a:solidFill>
+                  <a:srgbClr val="FFFFFF"/>
+                </a:solidFill>
+              </a14:hiddenFill>
+            </a:ext>
+            <a:ext uri="{91240B29-F687-4F45-9708-019B960494DF}">
+              <a14:hiddenLine xmlns:a14="http://schemas.microsoft.com/office/drawing/2010/main" w="9525" cap="flat">
+                <a:solidFill>
+                  <a:srgbClr val="3465A4"/>
+                </a:solidFill>
+                <a:round/>
+                <a:headEnd/>
+                <a:tailEnd/>
+              </a14:hiddenLine>
+            </a:ext>
+            <a:ext uri="{AF507438-7753-43E0-B8FC-AC1667EBCBE1}">
+              <a14:hiddenEffects xmlns:a14="http://schemas.microsoft.com/office/drawing/2010/main">
+                <a:effectLst>
+                  <a:outerShdw dist="35921" dir="2700000" algn="ctr" rotWithShape="0">
+                    <a:srgbClr val="808080"/>
+                  </a:outerShdw>
+                </a:effectLst>
+              </a14:hiddenEffects>
+            </a:ext>
+          </a:extLst>
+        </p:spPr>
+        <p:txBody>
+          <a:bodyPr wrap="square" lIns="90000" tIns="46800" rIns="90000" bIns="46800">
+            <a:spAutoFit/>
+          </a:bodyPr>
+          <a:lstStyle>
+            <a:lvl1pPr>
+              <a:tabLst>
+                <a:tab pos="0" algn="l"/>
+                <a:tab pos="457200" algn="l"/>
+                <a:tab pos="914400" algn="l"/>
+                <a:tab pos="1371600" algn="l"/>
+                <a:tab pos="1828800" algn="l"/>
+                <a:tab pos="2286000" algn="l"/>
+                <a:tab pos="2743200" algn="l"/>
+                <a:tab pos="3200400" algn="l"/>
+                <a:tab pos="3657600" algn="l"/>
+                <a:tab pos="4114800" algn="l"/>
+                <a:tab pos="4572000" algn="l"/>
+                <a:tab pos="5029200" algn="l"/>
+                <a:tab pos="5486400" algn="l"/>
+                <a:tab pos="5943600" algn="l"/>
+                <a:tab pos="6400800" algn="l"/>
+                <a:tab pos="6858000" algn="l"/>
+                <a:tab pos="7315200" algn="l"/>
+                <a:tab pos="7772400" algn="l"/>
+                <a:tab pos="8229600" algn="l"/>
+                <a:tab pos="8686800" algn="l"/>
+                <a:tab pos="9144000" algn="l"/>
+                <a:tab pos="9601200" algn="l"/>
+              </a:tabLst>
+              <a:defRPr sz="3200">
+                <a:solidFill>
+                  <a:srgbClr val="FFFFFF"/>
+                </a:solidFill>
+                <a:latin typeface="Arial" charset="0"/>
+                <a:ea typeface="Droid Sans Fallback" charset="0"/>
+                <a:cs typeface="Droid Sans Fallback" charset="0"/>
+              </a:defRPr>
+            </a:lvl1pPr>
+            <a:lvl2pPr>
+              <a:tabLst>
+                <a:tab pos="0" algn="l"/>
+                <a:tab pos="457200" algn="l"/>
+                <a:tab pos="914400" algn="l"/>
+                <a:tab pos="1371600" algn="l"/>
+                <a:tab pos="1828800" algn="l"/>
+                <a:tab pos="2286000" algn="l"/>
+                <a:tab pos="2743200" algn="l"/>
+                <a:tab pos="3200400" algn="l"/>
+                <a:tab pos="3657600" algn="l"/>
+                <a:tab pos="4114800" algn="l"/>
+                <a:tab pos="4572000" algn="l"/>
+                <a:tab pos="5029200" algn="l"/>
+                <a:tab pos="5486400" algn="l"/>
+                <a:tab pos="5943600" algn="l"/>
+                <a:tab pos="6400800" algn="l"/>
+                <a:tab pos="6858000" algn="l"/>
+                <a:tab pos="7315200" algn="l"/>
+                <a:tab pos="7772400" algn="l"/>
+                <a:tab pos="8229600" algn="l"/>
+                <a:tab pos="8686800" algn="l"/>
+                <a:tab pos="9144000" algn="l"/>
+                <a:tab pos="9601200" algn="l"/>
+              </a:tabLst>
+              <a:defRPr sz="3200">
+                <a:solidFill>
+                  <a:srgbClr val="FFFFFF"/>
+                </a:solidFill>
+                <a:latin typeface="Arial" charset="0"/>
+                <a:ea typeface="Droid Sans Fallback" charset="0"/>
+                <a:cs typeface="Droid Sans Fallback" charset="0"/>
+              </a:defRPr>
+            </a:lvl2pPr>
+            <a:lvl3pPr>
+              <a:tabLst>
+                <a:tab pos="0" algn="l"/>
+                <a:tab pos="457200" algn="l"/>
+                <a:tab pos="914400" algn="l"/>
+                <a:tab pos="1371600" algn="l"/>
+                <a:tab pos="1828800" algn="l"/>
+                <a:tab pos="2286000" algn="l"/>
+                <a:tab pos="2743200" algn="l"/>
+                <a:tab pos="3200400" algn="l"/>
+                <a:tab pos="3657600" algn="l"/>
+                <a:tab pos="4114800" algn="l"/>
+                <a:tab pos="4572000" algn="l"/>
+                <a:tab pos="5029200" algn="l"/>
+                <a:tab pos="5486400" algn="l"/>
+                <a:tab pos="5943600" algn="l"/>
+                <a:tab pos="6400800" algn="l"/>
+                <a:tab pos="6858000" algn="l"/>
+                <a:tab pos="7315200" algn="l"/>
+                <a:tab pos="7772400" algn="l"/>
+                <a:tab pos="8229600" algn="l"/>
+                <a:tab pos="8686800" algn="l"/>
+                <a:tab pos="9144000" algn="l"/>
+                <a:tab pos="9601200" algn="l"/>
+              </a:tabLst>
+              <a:defRPr sz="3200">
+                <a:solidFill>
+                  <a:srgbClr val="FFFFFF"/>
+                </a:solidFill>
+                <a:latin typeface="Arial" charset="0"/>
+                <a:ea typeface="Droid Sans Fallback" charset="0"/>
+                <a:cs typeface="Droid Sans Fallback" charset="0"/>
+              </a:defRPr>
+            </a:lvl3pPr>
+            <a:lvl4pPr>
+              <a:tabLst>
+                <a:tab pos="0" algn="l"/>
+                <a:tab pos="457200" algn="l"/>
+                <a:tab pos="914400" algn="l"/>
+                <a:tab pos="1371600" algn="l"/>
+                <a:tab pos="1828800" algn="l"/>
+                <a:tab pos="2286000" algn="l"/>
+                <a:tab pos="2743200" algn="l"/>
+                <a:tab pos="3200400" algn="l"/>
+                <a:tab pos="3657600" algn="l"/>
+                <a:tab pos="4114800" algn="l"/>
+                <a:tab pos="4572000" algn="l"/>
+                <a:tab pos="5029200" algn="l"/>
+                <a:tab pos="5486400" algn="l"/>
+                <a:tab pos="5943600" algn="l"/>
+                <a:tab pos="6400800" algn="l"/>
+                <a:tab pos="6858000" algn="l"/>
+                <a:tab pos="7315200" algn="l"/>
+                <a:tab pos="7772400" algn="l"/>
+                <a:tab pos="8229600" algn="l"/>
+                <a:tab pos="8686800" algn="l"/>
+                <a:tab pos="9144000" algn="l"/>
+                <a:tab pos="9601200" algn="l"/>
+              </a:tabLst>
+              <a:defRPr sz="3200">
+                <a:solidFill>
+                  <a:srgbClr val="FFFFFF"/>
+                </a:solidFill>
+                <a:latin typeface="Arial" charset="0"/>
+                <a:ea typeface="Droid Sans Fallback" charset="0"/>
+                <a:cs typeface="Droid Sans Fallback" charset="0"/>
+              </a:defRPr>
+            </a:lvl4pPr>
+            <a:lvl5pPr>
+              <a:tabLst>
+                <a:tab pos="0" algn="l"/>
+                <a:tab pos="457200" algn="l"/>
+                <a:tab pos="914400" algn="l"/>
+                <a:tab pos="1371600" algn="l"/>
+                <a:tab pos="1828800" algn="l"/>
+                <a:tab pos="2286000" algn="l"/>
+                <a:tab pos="2743200" algn="l"/>
+                <a:tab pos="3200400" algn="l"/>
+                <a:tab pos="3657600" algn="l"/>
+                <a:tab pos="4114800" algn="l"/>
+                <a:tab pos="4572000" algn="l"/>
+                <a:tab pos="5029200" algn="l"/>
+                <a:tab pos="5486400" algn="l"/>
+                <a:tab pos="5943600" algn="l"/>
+                <a:tab pos="6400800" algn="l"/>
+                <a:tab pos="6858000" algn="l"/>
+                <a:tab pos="7315200" algn="l"/>
+                <a:tab pos="7772400" algn="l"/>
+                <a:tab pos="8229600" algn="l"/>
+                <a:tab pos="8686800" algn="l"/>
+                <a:tab pos="9144000" algn="l"/>
+                <a:tab pos="9601200" algn="l"/>
+              </a:tabLst>
+              <a:defRPr sz="3200">
+                <a:solidFill>
+                  <a:srgbClr val="FFFFFF"/>
+                </a:solidFill>
+                <a:latin typeface="Arial" charset="0"/>
+                <a:ea typeface="Droid Sans Fallback" charset="0"/>
+                <a:cs typeface="Droid Sans Fallback" charset="0"/>
+              </a:defRPr>
+            </a:lvl5pPr>
+            <a:lvl6pPr marL="2514600" indent="-228600" defTabSz="457200" fontAlgn="base">
+              <a:spcBef>
+                <a:spcPct val="0"/>
+              </a:spcBef>
+              <a:spcAft>
+                <a:spcPct val="0"/>
+              </a:spcAft>
+              <a:buClr>
+                <a:srgbClr val="000000"/>
+              </a:buClr>
+              <a:buSzPct val="100000"/>
+              <a:buFont typeface="Times New Roman" pitchFamily="16" charset="0"/>
+              <a:tabLst>
+                <a:tab pos="0" algn="l"/>
+                <a:tab pos="457200" algn="l"/>
+                <a:tab pos="914400" algn="l"/>
+                <a:tab pos="1371600" algn="l"/>
+                <a:tab pos="1828800" algn="l"/>
+                <a:tab pos="2286000" algn="l"/>
+                <a:tab pos="2743200" algn="l"/>
+                <a:tab pos="3200400" algn="l"/>
+                <a:tab pos="3657600" algn="l"/>
+                <a:tab pos="4114800" algn="l"/>
+                <a:tab pos="4572000" algn="l"/>
+                <a:tab pos="5029200" algn="l"/>
+                <a:tab pos="5486400" algn="l"/>
+                <a:tab pos="5943600" algn="l"/>
+                <a:tab pos="6400800" algn="l"/>
+                <a:tab pos="6858000" algn="l"/>
+                <a:tab pos="7315200" algn="l"/>
+                <a:tab pos="7772400" algn="l"/>
+                <a:tab pos="8229600" algn="l"/>
+                <a:tab pos="8686800" algn="l"/>
+                <a:tab pos="9144000" algn="l"/>
+                <a:tab pos="9601200" algn="l"/>
+              </a:tabLst>
+              <a:defRPr sz="3200">
+                <a:solidFill>
+                  <a:srgbClr val="FFFFFF"/>
+                </a:solidFill>
+                <a:latin typeface="Arial" charset="0"/>
+                <a:ea typeface="Droid Sans Fallback" charset="0"/>
+                <a:cs typeface="Droid Sans Fallback" charset="0"/>
+              </a:defRPr>
+            </a:lvl6pPr>
+            <a:lvl7pPr marL="2971800" indent="-228600" defTabSz="457200" fontAlgn="base">
+              <a:spcBef>
+                <a:spcPct val="0"/>
+              </a:spcBef>
+              <a:spcAft>
+                <a:spcPct val="0"/>
+              </a:spcAft>
+              <a:buClr>
+                <a:srgbClr val="000000"/>
+              </a:buClr>
+              <a:buSzPct val="100000"/>
+              <a:buFont typeface="Times New Roman" pitchFamily="16" charset="0"/>
+              <a:tabLst>
+                <a:tab pos="0" algn="l"/>
+                <a:tab pos="457200" algn="l"/>
+                <a:tab pos="914400" algn="l"/>
+                <a:tab pos="1371600" algn="l"/>
+                <a:tab pos="1828800" algn="l"/>
+                <a:tab pos="2286000" algn="l"/>
+                <a:tab pos="2743200" algn="l"/>
+                <a:tab pos="3200400" algn="l"/>
+                <a:tab pos="3657600" algn="l"/>
+                <a:tab pos="4114800" algn="l"/>
+                <a:tab pos="4572000" algn="l"/>
+                <a:tab pos="5029200" algn="l"/>
+                <a:tab pos="5486400" algn="l"/>
+                <a:tab pos="5943600" algn="l"/>
+                <a:tab pos="6400800" algn="l"/>
+                <a:tab pos="6858000" algn="l"/>
+                <a:tab pos="7315200" algn="l"/>
+                <a:tab pos="7772400" algn="l"/>
+                <a:tab pos="8229600" algn="l"/>
+                <a:tab pos="8686800" algn="l"/>
+                <a:tab pos="9144000" algn="l"/>
+                <a:tab pos="9601200" algn="l"/>
+              </a:tabLst>
+              <a:defRPr sz="3200">
+                <a:solidFill>
+                  <a:srgbClr val="FFFFFF"/>
+                </a:solidFill>
+                <a:latin typeface="Arial" charset="0"/>
+                <a:ea typeface="Droid Sans Fallback" charset="0"/>
+                <a:cs typeface="Droid Sans Fallback" charset="0"/>
+              </a:defRPr>
+            </a:lvl7pPr>
+            <a:lvl8pPr marL="3429000" indent="-228600" defTabSz="457200" fontAlgn="base">
+              <a:spcBef>
+                <a:spcPct val="0"/>
+              </a:spcBef>
+              <a:spcAft>
+                <a:spcPct val="0"/>
+              </a:spcAft>
+              <a:buClr>
+                <a:srgbClr val="000000"/>
+              </a:buClr>
+              <a:buSzPct val="100000"/>
+              <a:buFont typeface="Times New Roman" pitchFamily="16" charset="0"/>
+              <a:tabLst>
+                <a:tab pos="0" algn="l"/>
+                <a:tab pos="457200" algn="l"/>
+                <a:tab pos="914400" algn="l"/>
+                <a:tab pos="1371600" algn="l"/>
+                <a:tab pos="1828800" algn="l"/>
+                <a:tab pos="2286000" algn="l"/>
+                <a:tab pos="2743200" algn="l"/>
+                <a:tab pos="3200400" algn="l"/>
+                <a:tab pos="3657600" algn="l"/>
+                <a:tab pos="4114800" algn="l"/>
+                <a:tab pos="4572000" algn="l"/>
+                <a:tab pos="5029200" algn="l"/>
+                <a:tab pos="5486400" algn="l"/>
+                <a:tab pos="5943600" algn="l"/>
+                <a:tab pos="6400800" algn="l"/>
+                <a:tab pos="6858000" algn="l"/>
+                <a:tab pos="7315200" algn="l"/>
+                <a:tab pos="7772400" algn="l"/>
+                <a:tab pos="8229600" algn="l"/>
+                <a:tab pos="8686800" algn="l"/>
+                <a:tab pos="9144000" algn="l"/>
+                <a:tab pos="9601200" algn="l"/>
+              </a:tabLst>
+              <a:defRPr sz="3200">
+                <a:solidFill>
+                  <a:srgbClr val="FFFFFF"/>
+                </a:solidFill>
+                <a:latin typeface="Arial" charset="0"/>
+                <a:ea typeface="Droid Sans Fallback" charset="0"/>
+                <a:cs typeface="Droid Sans Fallback" charset="0"/>
+              </a:defRPr>
+            </a:lvl8pPr>
+            <a:lvl9pPr marL="3886200" indent="-228600" defTabSz="457200" fontAlgn="base">
+              <a:spcBef>
+                <a:spcPct val="0"/>
+              </a:spcBef>
+              <a:spcAft>
+                <a:spcPct val="0"/>
+              </a:spcAft>
+              <a:buClr>
+                <a:srgbClr val="000000"/>
+              </a:buClr>
+              <a:buSzPct val="100000"/>
+              <a:buFont typeface="Times New Roman" pitchFamily="16" charset="0"/>
+              <a:tabLst>
+                <a:tab pos="0" algn="l"/>
+                <a:tab pos="457200" algn="l"/>
+                <a:tab pos="914400" algn="l"/>
+                <a:tab pos="1371600" algn="l"/>
+                <a:tab pos="1828800" algn="l"/>
+                <a:tab pos="2286000" algn="l"/>
+                <a:tab pos="2743200" algn="l"/>
+                <a:tab pos="3200400" algn="l"/>
+                <a:tab pos="3657600" algn="l"/>
+                <a:tab pos="4114800" algn="l"/>
+                <a:tab pos="4572000" algn="l"/>
+                <a:tab pos="5029200" algn="l"/>
+                <a:tab pos="5486400" algn="l"/>
+                <a:tab pos="5943600" algn="l"/>
+                <a:tab pos="6400800" algn="l"/>
+                <a:tab pos="6858000" algn="l"/>
+                <a:tab pos="7315200" algn="l"/>
+                <a:tab pos="7772400" algn="l"/>
+                <a:tab pos="8229600" algn="l"/>
+                <a:tab pos="8686800" algn="l"/>
+                <a:tab pos="9144000" algn="l"/>
+                <a:tab pos="9601200" algn="l"/>
+              </a:tabLst>
+              <a:defRPr sz="3200">
+                <a:solidFill>
+                  <a:srgbClr val="FFFFFF"/>
+                </a:solidFill>
+                <a:latin typeface="Arial" charset="0"/>
+                <a:ea typeface="Droid Sans Fallback" charset="0"/>
+                <a:cs typeface="Droid Sans Fallback" charset="0"/>
+              </a:defRPr>
+            </a:lvl9pPr>
+          </a:lstStyle>
+          <a:p>
+            <a:pPr>
+              <a:buClrTx/>
+              <a:buFontTx/>
+              <a:buNone/>
+            </a:pPr>
+            <a:r>
+              <a:rPr lang="ru-RU" altLang="ru-RU" sz="1800" b="1" u="sng" dirty="0">
+                <a:solidFill>
+                  <a:srgbClr val="000000"/>
+                </a:solidFill>
+                <a:latin typeface="Times New Roman" pitchFamily="16" charset="0"/>
+                <a:cs typeface="Times New Roman" pitchFamily="16" charset="0"/>
+              </a:rPr>
+              <a:t>Литература:</a:t>
+            </a:r>
+          </a:p>
+          <a:p>
+            <a:pPr algn="just">
+              <a:buFont typeface="Times New Roman" pitchFamily="16" charset="0"/>
+              <a:buAutoNum type="arabicPeriod"/>
+            </a:pPr>
+            <a:r>
+              <a:rPr lang="en-US" altLang="ru-RU" sz="1800" b="1" i="1" dirty="0" err="1" smtClean="0">
+                <a:solidFill>
+                  <a:srgbClr val="000000"/>
+                </a:solidFill>
+                <a:latin typeface="Times New Roman" pitchFamily="16" charset="0"/>
+              </a:rPr>
+              <a:t>Lapenta</a:t>
+            </a:r>
+            <a:r>
+              <a:rPr lang="en-US" altLang="ru-RU" sz="1800" b="1" i="1" dirty="0" smtClean="0">
+                <a:solidFill>
+                  <a:srgbClr val="000000"/>
+                </a:solidFill>
+                <a:latin typeface="Times New Roman" pitchFamily="16" charset="0"/>
+              </a:rPr>
+              <a:t> </a:t>
+            </a:r>
+            <a:r>
+              <a:rPr lang="en-US" altLang="ru-RU" sz="1800" b="1" i="1" dirty="0">
+                <a:solidFill>
+                  <a:srgbClr val="000000"/>
+                </a:solidFill>
+                <a:latin typeface="Times New Roman" pitchFamily="16" charset="0"/>
+              </a:rPr>
+              <a:t>G., </a:t>
+            </a:r>
+            <a:r>
+              <a:rPr lang="en-US" altLang="ru-RU" sz="1800" b="1" i="1" dirty="0" err="1">
+                <a:solidFill>
+                  <a:srgbClr val="000000"/>
+                </a:solidFill>
+                <a:latin typeface="Times New Roman" pitchFamily="16" charset="0"/>
+              </a:rPr>
+              <a:t>Brackbill</a:t>
+            </a:r>
+            <a:r>
+              <a:rPr lang="en-US" altLang="ru-RU" sz="1800" b="1" i="1" dirty="0">
+                <a:solidFill>
+                  <a:srgbClr val="000000"/>
+                </a:solidFill>
+                <a:latin typeface="Times New Roman" pitchFamily="16" charset="0"/>
+              </a:rPr>
+              <a:t> J. U., Ricci P.</a:t>
+            </a:r>
+            <a:r>
+              <a:rPr lang="en-US" altLang="ru-RU" sz="1800" dirty="0">
+                <a:solidFill>
+                  <a:srgbClr val="000000"/>
+                </a:solidFill>
+                <a:latin typeface="Times New Roman" pitchFamily="16" charset="0"/>
+              </a:rPr>
+              <a:t> «Kinetic approach to microscopic-macroscopic coupling in space and laboratory plasmas» Physics of Plasmas, Volume 13, 055904 (2006);</a:t>
+            </a:r>
+          </a:p>
+          <a:p>
+            <a:pPr algn="just">
+              <a:buFont typeface="Times New Roman" pitchFamily="16" charset="0"/>
+              <a:buAutoNum type="arabicPeriod"/>
+            </a:pPr>
+            <a:r>
+              <a:rPr lang="ru-RU" altLang="ru-RU" sz="1800" b="1" i="1" dirty="0" err="1">
+                <a:solidFill>
+                  <a:srgbClr val="000000"/>
+                </a:solidFill>
+                <a:latin typeface="Times New Roman" pitchFamily="16" charset="0"/>
+              </a:rPr>
+              <a:t>Noguchi</a:t>
+            </a:r>
+            <a:r>
+              <a:rPr lang="ru-RU" altLang="ru-RU" sz="1800" b="1" i="1" dirty="0">
+                <a:solidFill>
+                  <a:srgbClr val="000000"/>
+                </a:solidFill>
+                <a:latin typeface="Times New Roman" pitchFamily="16" charset="0"/>
+              </a:rPr>
+              <a:t> K., </a:t>
+            </a:r>
+            <a:r>
+              <a:rPr lang="ru-RU" altLang="ru-RU" sz="1800" b="1" i="1" dirty="0" err="1">
+                <a:solidFill>
+                  <a:srgbClr val="000000"/>
+                </a:solidFill>
+                <a:latin typeface="Times New Roman" pitchFamily="16" charset="0"/>
+              </a:rPr>
+              <a:t>Tronci</a:t>
+            </a:r>
+            <a:r>
+              <a:rPr lang="ru-RU" altLang="ru-RU" sz="1800" b="1" i="1" dirty="0">
+                <a:solidFill>
+                  <a:srgbClr val="000000"/>
+                </a:solidFill>
+                <a:latin typeface="Times New Roman" pitchFamily="16" charset="0"/>
+              </a:rPr>
+              <a:t> C., </a:t>
+            </a:r>
+            <a:r>
+              <a:rPr lang="ru-RU" altLang="ru-RU" sz="1800" b="1" i="1" dirty="0" err="1">
+                <a:solidFill>
+                  <a:srgbClr val="000000"/>
+                </a:solidFill>
+                <a:latin typeface="Times New Roman" pitchFamily="16" charset="0"/>
+              </a:rPr>
+              <a:t>Zuccaro</a:t>
+            </a:r>
+            <a:r>
+              <a:rPr lang="ru-RU" altLang="ru-RU" sz="1800" b="1" i="1" dirty="0">
+                <a:solidFill>
+                  <a:srgbClr val="000000"/>
+                </a:solidFill>
+                <a:latin typeface="Times New Roman" pitchFamily="16" charset="0"/>
+              </a:rPr>
+              <a:t> G., </a:t>
+            </a:r>
+            <a:r>
+              <a:rPr lang="ru-RU" altLang="ru-RU" sz="1800" b="1" i="1" dirty="0" err="1">
+                <a:solidFill>
+                  <a:srgbClr val="000000"/>
+                </a:solidFill>
+                <a:latin typeface="Times New Roman" pitchFamily="16" charset="0"/>
+              </a:rPr>
+              <a:t>Lapenta</a:t>
+            </a:r>
+            <a:r>
+              <a:rPr lang="ru-RU" altLang="ru-RU" sz="1800" b="1" i="1" dirty="0">
+                <a:solidFill>
+                  <a:srgbClr val="000000"/>
+                </a:solidFill>
+                <a:latin typeface="Times New Roman" pitchFamily="16" charset="0"/>
+              </a:rPr>
+              <a:t> G. </a:t>
+            </a:r>
+            <a:r>
+              <a:rPr lang="ru-RU" altLang="ru-RU" sz="1800" dirty="0">
+                <a:solidFill>
+                  <a:srgbClr val="000000"/>
+                </a:solidFill>
+                <a:latin typeface="Times New Roman" pitchFamily="16" charset="0"/>
+              </a:rPr>
+              <a:t>«</a:t>
+            </a:r>
+            <a:r>
+              <a:rPr lang="en-US" altLang="ru-RU" sz="1800" dirty="0">
+                <a:solidFill>
+                  <a:srgbClr val="000000"/>
+                </a:solidFill>
+                <a:latin typeface="Times New Roman" pitchFamily="16" charset="0"/>
+              </a:rPr>
+              <a:t>Formulation of the relativistic moment implicit particle-in-cell method</a:t>
+            </a:r>
+            <a:r>
+              <a:rPr lang="ru-RU" altLang="ru-RU" sz="1800" dirty="0">
+                <a:solidFill>
+                  <a:srgbClr val="000000"/>
+                </a:solidFill>
+                <a:latin typeface="Times New Roman" pitchFamily="16" charset="0"/>
+              </a:rPr>
+              <a:t>» </a:t>
+            </a:r>
+            <a:r>
+              <a:rPr lang="en-US" altLang="ru-RU" sz="1800" dirty="0">
+                <a:solidFill>
+                  <a:srgbClr val="000000"/>
+                </a:solidFill>
+                <a:latin typeface="Times New Roman" pitchFamily="16" charset="0"/>
+              </a:rPr>
+              <a:t>Physics of Plasmas, Volume </a:t>
+            </a:r>
+            <a:r>
+              <a:rPr lang="ru-RU" altLang="ru-RU" sz="1800" dirty="0">
+                <a:solidFill>
+                  <a:srgbClr val="000000"/>
+                </a:solidFill>
+                <a:latin typeface="Times New Roman" pitchFamily="16" charset="0"/>
+              </a:rPr>
+              <a:t>14, 042308 </a:t>
+            </a:r>
+            <a:r>
+              <a:rPr lang="en-US" altLang="ru-RU" sz="1800" dirty="0">
+                <a:solidFill>
+                  <a:srgbClr val="000000"/>
+                </a:solidFill>
+                <a:latin typeface="Times New Roman" pitchFamily="16" charset="0"/>
+              </a:rPr>
+              <a:t>(2007</a:t>
+            </a:r>
+            <a:r>
+              <a:rPr lang="en-US" altLang="ru-RU" sz="1800" dirty="0" smtClean="0">
+                <a:solidFill>
+                  <a:srgbClr val="000000"/>
+                </a:solidFill>
+                <a:latin typeface="Times New Roman" pitchFamily="16" charset="0"/>
+              </a:rPr>
+              <a:t>);</a:t>
+            </a:r>
+            <a:endParaRPr lang="ru-RU" altLang="ru-RU" sz="1800" dirty="0" smtClean="0">
+              <a:solidFill>
+                <a:srgbClr val="000000"/>
+              </a:solidFill>
+              <a:latin typeface="Times New Roman" pitchFamily="16" charset="0"/>
+            </a:endParaRPr>
+          </a:p>
+          <a:p>
+            <a:pPr algn="just">
+              <a:buFont typeface="Times New Roman" pitchFamily="16" charset="0"/>
+              <a:buAutoNum type="arabicPeriod"/>
+            </a:pPr>
+            <a:r>
+              <a:rPr lang="en-US" altLang="ru-RU" sz="1800" b="1" i="1" dirty="0" err="1" smtClean="0">
+                <a:solidFill>
+                  <a:srgbClr val="000000"/>
+                </a:solidFill>
+                <a:latin typeface="Times New Roman" pitchFamily="16" charset="0"/>
+              </a:rPr>
+              <a:t>Sironi</a:t>
+            </a:r>
+            <a:r>
+              <a:rPr lang="en-US" altLang="ru-RU" sz="1800" b="1" i="1" dirty="0" smtClean="0">
+                <a:solidFill>
+                  <a:srgbClr val="000000"/>
+                </a:solidFill>
+                <a:latin typeface="Times New Roman" pitchFamily="16" charset="0"/>
+              </a:rPr>
+              <a:t> L., </a:t>
+            </a:r>
+            <a:r>
+              <a:rPr lang="en-US" altLang="ru-RU" sz="1800" b="1" i="1" dirty="0" err="1" smtClean="0">
+                <a:solidFill>
+                  <a:srgbClr val="000000"/>
+                </a:solidFill>
+                <a:latin typeface="Times New Roman" pitchFamily="16" charset="0"/>
+              </a:rPr>
+              <a:t>Spitkovsky</a:t>
+            </a:r>
+            <a:r>
+              <a:rPr lang="en-US" altLang="ru-RU" sz="1800" b="1" i="1" dirty="0" smtClean="0">
+                <a:solidFill>
+                  <a:srgbClr val="000000"/>
+                </a:solidFill>
+                <a:latin typeface="Times New Roman" pitchFamily="16" charset="0"/>
+              </a:rPr>
+              <a:t> A., </a:t>
+            </a:r>
+            <a:r>
+              <a:rPr lang="en-US" altLang="ru-RU" sz="1800" b="1" i="1" dirty="0" err="1" smtClean="0">
+                <a:solidFill>
+                  <a:srgbClr val="000000"/>
+                </a:solidFill>
+                <a:latin typeface="Times New Roman" pitchFamily="16" charset="0"/>
+              </a:rPr>
+              <a:t>Arons</a:t>
+            </a:r>
+            <a:r>
+              <a:rPr lang="en-US" altLang="ru-RU" sz="1800" b="1" i="1" dirty="0" smtClean="0">
+                <a:solidFill>
+                  <a:srgbClr val="000000"/>
+                </a:solidFill>
+                <a:latin typeface="Times New Roman" pitchFamily="16" charset="0"/>
+              </a:rPr>
+              <a:t> J. </a:t>
+            </a:r>
+            <a:r>
+              <a:rPr lang="ru-RU" altLang="ru-RU" sz="1800" dirty="0" smtClean="0">
+                <a:solidFill>
+                  <a:srgbClr val="000000"/>
+                </a:solidFill>
+                <a:latin typeface="Times New Roman" pitchFamily="16" charset="0"/>
+              </a:rPr>
+              <a:t>«</a:t>
+            </a:r>
+            <a:r>
+              <a:rPr lang="en-US" sz="1800" dirty="0" smtClean="0">
+                <a:solidFill>
+                  <a:schemeClr val="tx1"/>
+                </a:solidFill>
+                <a:latin typeface="Times New Roman" panose="02020603050405020304" pitchFamily="18" charset="0"/>
+                <a:cs typeface="Times New Roman" panose="02020603050405020304" pitchFamily="18" charset="0"/>
+              </a:rPr>
+              <a:t>The maximum energy of accelerated particles in relativistic </a:t>
+            </a:r>
+            <a:r>
+              <a:rPr lang="en-US" sz="1800" dirty="0" err="1" smtClean="0">
+                <a:solidFill>
+                  <a:schemeClr val="tx1"/>
+                </a:solidFill>
+                <a:latin typeface="Times New Roman" panose="02020603050405020304" pitchFamily="18" charset="0"/>
+                <a:cs typeface="Times New Roman" panose="02020603050405020304" pitchFamily="18" charset="0"/>
+              </a:rPr>
+              <a:t>collisionless</a:t>
+            </a:r>
+            <a:r>
+              <a:rPr lang="en-US" sz="1800" dirty="0" smtClean="0">
+                <a:solidFill>
+                  <a:schemeClr val="tx1"/>
+                </a:solidFill>
+                <a:latin typeface="Times New Roman" panose="02020603050405020304" pitchFamily="18" charset="0"/>
+                <a:cs typeface="Times New Roman" panose="02020603050405020304" pitchFamily="18" charset="0"/>
+              </a:rPr>
+              <a:t> shocks</a:t>
+            </a:r>
+            <a:r>
+              <a:rPr lang="ru-RU" altLang="ru-RU" sz="1800" dirty="0" smtClean="0">
+                <a:solidFill>
+                  <a:srgbClr val="000000"/>
+                </a:solidFill>
+                <a:latin typeface="Times New Roman" pitchFamily="16" charset="0"/>
+              </a:rPr>
+              <a:t>»</a:t>
+            </a:r>
+            <a:r>
+              <a:rPr lang="en-US" altLang="ru-RU" sz="1800" dirty="0">
+                <a:solidFill>
+                  <a:schemeClr val="tx1"/>
+                </a:solidFill>
+                <a:latin typeface="Times New Roman" panose="02020603050405020304" pitchFamily="18" charset="0"/>
+                <a:cs typeface="Times New Roman" panose="02020603050405020304" pitchFamily="18" charset="0"/>
+              </a:rPr>
+              <a:t> </a:t>
+            </a:r>
+            <a:r>
+              <a:rPr lang="en-US" sz="1800" dirty="0" smtClean="0">
+                <a:solidFill>
+                  <a:schemeClr val="tx1"/>
+                </a:solidFill>
+                <a:latin typeface="Times New Roman" panose="02020603050405020304" pitchFamily="18" charset="0"/>
+                <a:cs typeface="Times New Roman" panose="02020603050405020304" pitchFamily="18" charset="0"/>
+              </a:rPr>
+              <a:t>The </a:t>
+            </a:r>
+            <a:r>
+              <a:rPr lang="en-US" sz="1800" dirty="0">
+                <a:solidFill>
+                  <a:schemeClr val="tx1"/>
+                </a:solidFill>
+                <a:latin typeface="Times New Roman" panose="02020603050405020304" pitchFamily="18" charset="0"/>
+                <a:cs typeface="Times New Roman" panose="02020603050405020304" pitchFamily="18" charset="0"/>
+              </a:rPr>
+              <a:t>Astrophysical Journal, Volume 771, Issue 1, article id. 54, 22 pp. (2013)</a:t>
+            </a:r>
+            <a:endParaRPr lang="en-US" altLang="ru-RU" sz="1800" b="1" i="1" dirty="0">
+              <a:solidFill>
+                <a:schemeClr val="tx1"/>
+              </a:solidFill>
+              <a:latin typeface="Times New Roman" panose="02020603050405020304" pitchFamily="18" charset="0"/>
+              <a:cs typeface="Times New Roman" panose="02020603050405020304" pitchFamily="18" charset="0"/>
+            </a:endParaRPr>
+          </a:p>
+        </p:txBody>
+      </p:sp>
       <p:pic>
         <p:nvPicPr>
-          <p:cNvPr id="42" name="Рисунок 41"/>
+          <p:cNvPr id="47" name="Рисунок 46"/>
           <p:cNvPicPr>
             <a:picLocks noChangeAspect="1"/>
           </p:cNvPicPr>
@@ -11921,149 +13023,44 @@
         </p:blipFill>
         <p:spPr>
           <a:xfrm>
-            <a:off x="14693380" y="20132451"/>
-            <a:ext cx="6553174" cy="4558371"/>
+            <a:off x="14668541" y="18568011"/>
+            <a:ext cx="6438900" cy="4019550"/>
           </a:xfrm>
           <a:prstGeom prst="rect">
             <a:avLst/>
           </a:prstGeom>
         </p:spPr>
       </p:pic>
-      <p:sp>
-        <p:nvSpPr>
-          <p:cNvPr id="43" name="TextBox 42"/>
-          <p:cNvSpPr txBox="1"/>
+      <p:pic>
+        <p:nvPicPr>
+          <p:cNvPr id="48" name="Рисунок 47"/>
+          <p:cNvPicPr>
+            <a:picLocks noChangeAspect="1"/>
+          </p:cNvPicPr>
           <p:nvPr/>
-        </p:nvSpPr>
+        </p:nvPicPr>
+        <p:blipFill>
+          <a:blip r:embed="rId22">
+            <a:extLst>
+              <a:ext uri="{28A0092B-C50C-407E-A947-70E740481C1C}">
+                <a14:useLocalDpi xmlns:a14="http://schemas.microsoft.com/office/drawing/2010/main" val="0"/>
+              </a:ext>
+            </a:extLst>
+          </a:blip>
+          <a:stretch>
+            <a:fillRect/>
+          </a:stretch>
+        </p:blipFill>
         <p:spPr>
           <a:xfrm>
-            <a:off x="14908030" y="24690822"/>
-            <a:ext cx="6478770" cy="707886"/>
+            <a:off x="14336076" y="13690615"/>
+            <a:ext cx="6438900" cy="4019550"/>
           </a:xfrm>
           <a:prstGeom prst="rect">
             <a:avLst/>
           </a:prstGeom>
-          <a:noFill/>
         </p:spPr>
-        <p:txBody>
-          <a:bodyPr wrap="square" rtlCol="0">
-            <a:spAutoFit/>
-          </a:bodyPr>
-          <a:lstStyle/>
-          <a:p>
-            <a:r>
-              <a:rPr lang="ru-RU" sz="2000" b="1" i="1" dirty="0" smtClean="0">
-                <a:latin typeface="Times New Roman" panose="02020603050405020304" pitchFamily="18" charset="0"/>
-                <a:cs typeface="Times New Roman" panose="02020603050405020304" pitchFamily="18" charset="0"/>
-              </a:rPr>
-              <a:t>Рис. </a:t>
-            </a:r>
-            <a:r>
-              <a:rPr lang="en-US" sz="2000" b="1" i="1" dirty="0" smtClean="0">
-                <a:latin typeface="Times New Roman" panose="02020603050405020304" pitchFamily="18" charset="0"/>
-                <a:cs typeface="Times New Roman" panose="02020603050405020304" pitchFamily="18" charset="0"/>
-              </a:rPr>
-              <a:t>2</a:t>
-            </a:r>
-            <a:r>
-              <a:rPr lang="ru-RU" sz="2000" b="1" i="1" dirty="0" smtClean="0">
-                <a:latin typeface="Times New Roman" panose="02020603050405020304" pitchFamily="18" charset="0"/>
-                <a:cs typeface="Times New Roman" panose="02020603050405020304" pitchFamily="18" charset="0"/>
-              </a:rPr>
-              <a:t> </a:t>
-            </a:r>
-            <a:r>
-              <a:rPr lang="ru-RU" sz="2000" i="1" dirty="0" smtClean="0">
-                <a:latin typeface="Times New Roman" panose="02020603050405020304" pitchFamily="18" charset="0"/>
-                <a:cs typeface="Times New Roman" panose="02020603050405020304" pitchFamily="18" charset="0"/>
-              </a:rPr>
-              <a:t>Спектр электронов в момент времени</a:t>
-            </a:r>
-            <a:r>
-              <a:rPr lang="en-US" sz="2000" i="1" dirty="0" smtClean="0">
-                <a:latin typeface="Times New Roman" panose="02020603050405020304" pitchFamily="18" charset="0"/>
-                <a:cs typeface="Times New Roman" panose="02020603050405020304" pitchFamily="18" charset="0"/>
-              </a:rPr>
-              <a:t> t=5</a:t>
-            </a:r>
-            <a:r>
-              <a:rPr lang="ru-RU" sz="2000" i="1" dirty="0" smtClean="0">
-                <a:latin typeface="Times New Roman" panose="02020603050405020304" pitchFamily="18" charset="0"/>
-                <a:cs typeface="Times New Roman" panose="02020603050405020304" pitchFamily="18" charset="0"/>
-              </a:rPr>
-              <a:t>0</a:t>
-            </a:r>
-            <a:r>
-              <a:rPr lang="en-US" sz="2000" i="1" dirty="0" smtClean="0">
-                <a:latin typeface="Times New Roman" panose="02020603050405020304" pitchFamily="18" charset="0"/>
-                <a:cs typeface="Times New Roman" panose="02020603050405020304" pitchFamily="18" charset="0"/>
-              </a:rPr>
-              <a:t>c</a:t>
-            </a:r>
-            <a:r>
-              <a:rPr lang="ru-RU" sz="2000" i="1" dirty="0" smtClean="0">
-                <a:latin typeface="Times New Roman" panose="02020603050405020304" pitchFamily="18" charset="0"/>
-                <a:cs typeface="Times New Roman" panose="02020603050405020304" pitchFamily="18" charset="0"/>
-              </a:rPr>
-              <a:t> при разных углах наклона магнитного поля </a:t>
-            </a:r>
-            <a:endParaRPr lang="ru-RU" sz="2000" i="1" dirty="0">
-              <a:latin typeface="Times New Roman" panose="02020603050405020304" pitchFamily="18" charset="0"/>
-              <a:cs typeface="Times New Roman" panose="02020603050405020304" pitchFamily="18" charset="0"/>
-            </a:endParaRPr>
-          </a:p>
-        </p:txBody>
-      </p:sp>
-      <p:sp>
-        <p:nvSpPr>
-          <p:cNvPr id="44" name="TextBox 43"/>
-          <p:cNvSpPr txBox="1"/>
-          <p:nvPr/>
-        </p:nvSpPr>
-        <p:spPr>
-          <a:xfrm>
-            <a:off x="14542675" y="25571350"/>
-            <a:ext cx="6551479" cy="2308324"/>
-          </a:xfrm>
-          <a:prstGeom prst="rect">
-            <a:avLst/>
-          </a:prstGeom>
-          <a:noFill/>
-        </p:spPr>
-        <p:txBody>
-          <a:bodyPr wrap="square" rtlCol="0">
-            <a:spAutoFit/>
-          </a:bodyPr>
-          <a:lstStyle/>
-          <a:p>
-            <a:r>
-              <a:rPr lang="ru-RU" sz="2400" dirty="0" smtClean="0">
-                <a:latin typeface="Times New Roman" panose="02020603050405020304" pitchFamily="18" charset="0"/>
-                <a:cs typeface="Times New Roman" panose="02020603050405020304" pitchFamily="18" charset="0"/>
-              </a:rPr>
-              <a:t>  Видно, что в области высоких энергий спектр электронов на порядок ниже спектра протонов. Но при этом намного более выражена зависимость спектра от угла наклона – при увеличении </a:t>
-            </a:r>
-            <a:r>
-              <a:rPr lang="ru-RU" sz="2400" smtClean="0">
-                <a:latin typeface="Times New Roman" panose="02020603050405020304" pitchFamily="18" charset="0"/>
-                <a:cs typeface="Times New Roman" panose="02020603050405020304" pitchFamily="18" charset="0"/>
-              </a:rPr>
-              <a:t>угла эффективность </a:t>
-            </a:r>
-            <a:r>
-              <a:rPr lang="ru-RU" sz="2400" dirty="0" smtClean="0">
-                <a:latin typeface="Times New Roman" panose="02020603050405020304" pitchFamily="18" charset="0"/>
-                <a:cs typeface="Times New Roman" panose="02020603050405020304" pitchFamily="18" charset="0"/>
-              </a:rPr>
-              <a:t>ускорения снижается.</a:t>
-            </a:r>
-            <a:endParaRPr lang="ru-RU" sz="2400" dirty="0">
-              <a:latin typeface="Times New Roman" panose="02020603050405020304" pitchFamily="18" charset="0"/>
-              <a:cs typeface="Times New Roman" panose="02020603050405020304" pitchFamily="18" charset="0"/>
-            </a:endParaRPr>
-          </a:p>
-        </p:txBody>
-      </p:sp>
+      </p:pic>
     </p:spTree>
     <p:extLst>
       <p:ext uri="{BB962C8B-B14F-4D97-AF65-F5344CB8AC3E}">
